--- a/data/Project Slides.pptx
+++ b/data/Project Slides.pptx
@@ -9,17 +9,16 @@
     <p:sldId id="268" r:id="rId3"/>
     <p:sldId id="269" r:id="rId4"/>
     <p:sldId id="270" r:id="rId5"/>
-    <p:sldId id="271" r:id="rId6"/>
-    <p:sldId id="256" r:id="rId7"/>
-    <p:sldId id="258" r:id="rId8"/>
-    <p:sldId id="259" r:id="rId9"/>
-    <p:sldId id="260" r:id="rId10"/>
-    <p:sldId id="261" r:id="rId11"/>
-    <p:sldId id="262" r:id="rId12"/>
-    <p:sldId id="265" r:id="rId13"/>
-    <p:sldId id="266" r:id="rId14"/>
-    <p:sldId id="263" r:id="rId15"/>
-    <p:sldId id="267" r:id="rId16"/>
+    <p:sldId id="256" r:id="rId6"/>
+    <p:sldId id="258" r:id="rId7"/>
+    <p:sldId id="259" r:id="rId8"/>
+    <p:sldId id="260" r:id="rId9"/>
+    <p:sldId id="261" r:id="rId10"/>
+    <p:sldId id="262" r:id="rId11"/>
+    <p:sldId id="265" r:id="rId12"/>
+    <p:sldId id="266" r:id="rId13"/>
+    <p:sldId id="263" r:id="rId14"/>
+    <p:sldId id="267" r:id="rId15"/>
   </p:sldIdLst>
   <p:sldSz cx="12192000" cy="6858000"/>
   <p:notesSz cx="6858000" cy="9144000"/>
@@ -10924,325 +10923,6 @@
         <p:cNvPr id="1" name="">
           <a:extLst>
             <a:ext uri="{FF2B5EF4-FFF2-40B4-BE49-F238E27FC236}">
-              <a16:creationId xmlns:a16="http://schemas.microsoft.com/office/drawing/2014/main" id="{B44BFDC7-345D-9943-94F1-73C1C6791195}"/>
-            </a:ext>
-          </a:extLst>
-        </p:cNvPr>
-        <p:cNvGrpSpPr/>
-        <p:nvPr/>
-      </p:nvGrpSpPr>
-      <p:grpSpPr>
-        <a:xfrm>
-          <a:off x="0" y="0"/>
-          <a:ext cx="0" cy="0"/>
-          <a:chOff x="0" y="0"/>
-          <a:chExt cx="0" cy="0"/>
-        </a:xfrm>
-      </p:grpSpPr>
-      <p:sp>
-        <p:nvSpPr>
-          <p:cNvPr id="72" name="Title 1">
-            <a:extLst>
-              <a:ext uri="{FF2B5EF4-FFF2-40B4-BE49-F238E27FC236}">
-                <a16:creationId xmlns:a16="http://schemas.microsoft.com/office/drawing/2014/main" id="{FAE8B685-AE3B-0F5F-8CE0-5F99C1DD169A}"/>
-              </a:ext>
-            </a:extLst>
-          </p:cNvPr>
-          <p:cNvSpPr txBox="1">
-            <a:spLocks/>
-          </p:cNvSpPr>
-          <p:nvPr/>
-        </p:nvSpPr>
-        <p:spPr>
-          <a:xfrm>
-            <a:off x="743312" y="209853"/>
-            <a:ext cx="10515600" cy="593331"/>
-          </a:xfrm>
-          <a:prstGeom prst="rect">
-            <a:avLst/>
-          </a:prstGeom>
-        </p:spPr>
-        <p:txBody>
-          <a:bodyPr vert="horz" lIns="91440" tIns="45720" rIns="91440" bIns="45720" rtlCol="0" anchor="b">
-            <a:normAutofit/>
-          </a:bodyPr>
-          <a:lstStyle>
-            <a:lvl1pPr algn="ctr" defTabSz="914400" rtl="0" eaLnBrk="1" latinLnBrk="0" hangingPunct="1">
-              <a:lnSpc>
-                <a:spcPct val="90000"/>
-              </a:lnSpc>
-              <a:spcBef>
-                <a:spcPct val="0"/>
-              </a:spcBef>
-              <a:buNone/>
-              <a:defRPr sz="6000" kern="1200">
-                <a:solidFill>
-                  <a:schemeClr val="tx1"/>
-                </a:solidFill>
-                <a:latin typeface="+mj-lt"/>
-                <a:ea typeface="+mj-ea"/>
-                <a:cs typeface="+mj-cs"/>
-              </a:defRPr>
-            </a:lvl1pPr>
-          </a:lstStyle>
-          <a:p>
-            <a:pPr algn="l">
-              <a:defRPr sz="3000" b="1">
-                <a:solidFill>
-                  <a:srgbClr val="203A5F"/>
-                </a:solidFill>
-              </a:defRPr>
-            </a:pPr>
-            <a:r>
-              <a:rPr lang="en-US" dirty="0"/>
-              <a:t>Model selection</a:t>
-            </a:r>
-          </a:p>
-        </p:txBody>
-      </p:sp>
-      <p:pic>
-        <p:nvPicPr>
-          <p:cNvPr id="3" name="Picture 2">
-            <a:extLst>
-              <a:ext uri="{FF2B5EF4-FFF2-40B4-BE49-F238E27FC236}">
-                <a16:creationId xmlns:a16="http://schemas.microsoft.com/office/drawing/2014/main" id="{DA1BB7A5-6ECD-13EE-6AA5-3A955780F908}"/>
-              </a:ext>
-            </a:extLst>
-          </p:cNvPr>
-          <p:cNvPicPr>
-            <a:picLocks noChangeAspect="1"/>
-          </p:cNvPicPr>
-          <p:nvPr/>
-        </p:nvPicPr>
-        <p:blipFill>
-          <a:blip r:embed="rId2"/>
-          <a:stretch>
-            <a:fillRect/>
-          </a:stretch>
-        </p:blipFill>
-        <p:spPr>
-          <a:xfrm>
-            <a:off x="3699544" y="707079"/>
-            <a:ext cx="3569347" cy="2772052"/>
-          </a:xfrm>
-          <a:prstGeom prst="rect">
-            <a:avLst/>
-          </a:prstGeom>
-        </p:spPr>
-      </p:pic>
-      <p:pic>
-        <p:nvPicPr>
-          <p:cNvPr id="12" name="Picture 11">
-            <a:extLst>
-              <a:ext uri="{FF2B5EF4-FFF2-40B4-BE49-F238E27FC236}">
-                <a16:creationId xmlns:a16="http://schemas.microsoft.com/office/drawing/2014/main" id="{773CDA28-730E-3B71-BBE1-724DF78B86FE}"/>
-              </a:ext>
-            </a:extLst>
-          </p:cNvPr>
-          <p:cNvPicPr>
-            <a:picLocks noChangeAspect="1"/>
-          </p:cNvPicPr>
-          <p:nvPr/>
-        </p:nvPicPr>
-        <p:blipFill>
-          <a:blip r:embed="rId3"/>
-          <a:stretch>
-            <a:fillRect/>
-          </a:stretch>
-        </p:blipFill>
-        <p:spPr>
-          <a:xfrm>
-            <a:off x="7482980" y="446696"/>
-            <a:ext cx="4347044" cy="2936330"/>
-          </a:xfrm>
-          <a:prstGeom prst="rect">
-            <a:avLst/>
-          </a:prstGeom>
-        </p:spPr>
-      </p:pic>
-      <p:pic>
-        <p:nvPicPr>
-          <p:cNvPr id="14" name="Picture 13">
-            <a:extLst>
-              <a:ext uri="{FF2B5EF4-FFF2-40B4-BE49-F238E27FC236}">
-                <a16:creationId xmlns:a16="http://schemas.microsoft.com/office/drawing/2014/main" id="{F4207929-6C1C-A19D-11A5-607C8DECEE28}"/>
-              </a:ext>
-            </a:extLst>
-          </p:cNvPr>
-          <p:cNvPicPr>
-            <a:picLocks noChangeAspect="1"/>
-          </p:cNvPicPr>
-          <p:nvPr/>
-        </p:nvPicPr>
-        <p:blipFill>
-          <a:blip r:embed="rId4"/>
-          <a:stretch>
-            <a:fillRect/>
-          </a:stretch>
-        </p:blipFill>
-        <p:spPr>
-          <a:xfrm>
-            <a:off x="7482980" y="4379261"/>
-            <a:ext cx="4208751" cy="2157877"/>
-          </a:xfrm>
-          <a:prstGeom prst="rect">
-            <a:avLst/>
-          </a:prstGeom>
-        </p:spPr>
-      </p:pic>
-      <p:pic>
-        <p:nvPicPr>
-          <p:cNvPr id="16" name="Picture 15">
-            <a:extLst>
-              <a:ext uri="{FF2B5EF4-FFF2-40B4-BE49-F238E27FC236}">
-                <a16:creationId xmlns:a16="http://schemas.microsoft.com/office/drawing/2014/main" id="{296D310C-AC8F-A4F5-9F4F-89F5AC4F6DD3}"/>
-              </a:ext>
-            </a:extLst>
-          </p:cNvPr>
-          <p:cNvPicPr>
-            <a:picLocks noChangeAspect="1"/>
-          </p:cNvPicPr>
-          <p:nvPr/>
-        </p:nvPicPr>
-        <p:blipFill>
-          <a:blip r:embed="rId5"/>
-          <a:stretch>
-            <a:fillRect/>
-          </a:stretch>
-        </p:blipFill>
-        <p:spPr>
-          <a:xfrm>
-            <a:off x="3038657" y="3690473"/>
-            <a:ext cx="3913294" cy="2720831"/>
-          </a:xfrm>
-          <a:prstGeom prst="rect">
-            <a:avLst/>
-          </a:prstGeom>
-        </p:spPr>
-      </p:pic>
-      <p:sp>
-        <p:nvSpPr>
-          <p:cNvPr id="17" name="TextBox 16">
-            <a:extLst>
-              <a:ext uri="{FF2B5EF4-FFF2-40B4-BE49-F238E27FC236}">
-                <a16:creationId xmlns:a16="http://schemas.microsoft.com/office/drawing/2014/main" id="{146D6559-6586-8ECA-D707-FC8C5CB7B9DA}"/>
-              </a:ext>
-            </a:extLst>
-          </p:cNvPr>
-          <p:cNvSpPr txBox="1"/>
-          <p:nvPr/>
-        </p:nvSpPr>
-        <p:spPr>
-          <a:xfrm>
-            <a:off x="175830" y="1397812"/>
-            <a:ext cx="3309625" cy="1769715"/>
-          </a:xfrm>
-          <a:prstGeom prst="rect">
-            <a:avLst/>
-          </a:prstGeom>
-          <a:noFill/>
-        </p:spPr>
-        <p:txBody>
-          <a:bodyPr wrap="square" rtlCol="0">
-            <a:spAutoFit/>
-          </a:bodyPr>
-          <a:lstStyle/>
-          <a:p>
-            <a:r>
-              <a:rPr lang="en-US" sz="1400" b="1" dirty="0"/>
-              <a:t>Key take away:</a:t>
-            </a:r>
-          </a:p>
-          <a:p>
-            <a:endParaRPr lang="en-US" sz="1400" dirty="0"/>
-          </a:p>
-          <a:p>
-            <a:pPr marL="342900" indent="-342900">
-              <a:spcBef>
-                <a:spcPts val="600"/>
-              </a:spcBef>
-              <a:spcAft>
-                <a:spcPts val="600"/>
-              </a:spcAft>
-              <a:buFont typeface="+mj-lt"/>
-              <a:buAutoNum type="arabicPeriod"/>
-            </a:pPr>
-            <a:r>
-              <a:rPr lang="en-US" sz="1400" u="sng" dirty="0"/>
-              <a:t>R2</a:t>
-            </a:r>
-            <a:r>
-              <a:rPr lang="en-US" sz="1400" dirty="0"/>
-              <a:t> is very high</a:t>
-            </a:r>
-          </a:p>
-          <a:p>
-            <a:pPr marL="342900" indent="-342900">
-              <a:spcBef>
-                <a:spcPts val="600"/>
-              </a:spcBef>
-              <a:spcAft>
-                <a:spcPts val="600"/>
-              </a:spcAft>
-              <a:buFont typeface="+mj-lt"/>
-              <a:buAutoNum type="arabicPeriod"/>
-            </a:pPr>
-            <a:r>
-              <a:rPr lang="en-US" sz="1400" dirty="0"/>
-              <a:t>The ticker is </a:t>
-            </a:r>
-            <a:r>
-              <a:rPr lang="en-US" sz="1400" u="sng" dirty="0"/>
-              <a:t>the best feature </a:t>
-            </a:r>
-            <a:r>
-              <a:rPr lang="en-US" sz="1400" dirty="0"/>
-              <a:t>to predict the ticker</a:t>
-            </a:r>
-          </a:p>
-          <a:p>
-            <a:pPr marL="342900" indent="-342900">
-              <a:spcBef>
-                <a:spcPts val="600"/>
-              </a:spcBef>
-              <a:spcAft>
-                <a:spcPts val="600"/>
-              </a:spcAft>
-              <a:buFont typeface="+mj-lt"/>
-              <a:buAutoNum type="arabicPeriod"/>
-            </a:pPr>
-            <a:r>
-              <a:rPr lang="en-US" sz="1400" u="sng" dirty="0"/>
-              <a:t>GRU</a:t>
-            </a:r>
-            <a:r>
-              <a:rPr lang="en-US" sz="1400" dirty="0"/>
-              <a:t> is best for this job</a:t>
-            </a:r>
-          </a:p>
-        </p:txBody>
-      </p:sp>
-    </p:spTree>
-    <p:extLst>
-      <p:ext uri="{BB962C8B-B14F-4D97-AF65-F5344CB8AC3E}">
-        <p14:creationId xmlns:p14="http://schemas.microsoft.com/office/powerpoint/2010/main" val="2648202317"/>
-      </p:ext>
-    </p:extLst>
-  </p:cSld>
-  <p:clrMapOvr>
-    <a:masterClrMapping/>
-  </p:clrMapOvr>
-</p:sld>
-</file>
-
-<file path=ppt/slides/slide11.xml><?xml version="1.0" encoding="utf-8"?>
-<p:sld xmlns:a="http://schemas.openxmlformats.org/drawingml/2006/main" xmlns:r="http://schemas.openxmlformats.org/officeDocument/2006/relationships" xmlns:p="http://schemas.openxmlformats.org/presentationml/2006/main">
-  <p:cSld>
-    <p:spTree>
-      <p:nvGrpSpPr>
-        <p:cNvPr id="1" name="">
-          <a:extLst>
-            <a:ext uri="{FF2B5EF4-FFF2-40B4-BE49-F238E27FC236}">
               <a16:creationId xmlns:a16="http://schemas.microsoft.com/office/drawing/2014/main" id="{4355542C-EE34-9359-C247-73F61F273153}"/>
             </a:ext>
           </a:extLst>
@@ -11426,7 +11106,7 @@
 </p:sld>
 </file>
 
-<file path=ppt/slides/slide12.xml><?xml version="1.0" encoding="utf-8"?>
+<file path=ppt/slides/slide11.xml><?xml version="1.0" encoding="utf-8"?>
 <p:sld xmlns:a="http://schemas.openxmlformats.org/drawingml/2006/main" xmlns:r="http://schemas.openxmlformats.org/officeDocument/2006/relationships" xmlns:p="http://schemas.openxmlformats.org/presentationml/2006/main">
   <p:cSld>
     <p:spTree>
@@ -11617,7 +11297,7 @@
 </p:sld>
 </file>
 
-<file path=ppt/slides/slide13.xml><?xml version="1.0" encoding="utf-8"?>
+<file path=ppt/slides/slide12.xml><?xml version="1.0" encoding="utf-8"?>
 <p:sld xmlns:a="http://schemas.openxmlformats.org/drawingml/2006/main" xmlns:r="http://schemas.openxmlformats.org/officeDocument/2006/relationships" xmlns:p="http://schemas.openxmlformats.org/presentationml/2006/main">
   <p:cSld>
     <p:spTree>
@@ -11808,7 +11488,7 @@
 </p:sld>
 </file>
 
-<file path=ppt/slides/slide14.xml><?xml version="1.0" encoding="utf-8"?>
+<file path=ppt/slides/slide13.xml><?xml version="1.0" encoding="utf-8"?>
 <p:sld xmlns:a="http://schemas.openxmlformats.org/drawingml/2006/main" xmlns:r="http://schemas.openxmlformats.org/officeDocument/2006/relationships" xmlns:p="http://schemas.openxmlformats.org/presentationml/2006/main">
   <p:cSld>
     <p:spTree>
@@ -14422,30 +14102,6 @@
 <file path=ppt/slides/slide4.xml><?xml version="1.0" encoding="utf-8"?>
 <p:sld xmlns:a="http://schemas.openxmlformats.org/drawingml/2006/main" xmlns:r="http://schemas.openxmlformats.org/officeDocument/2006/relationships" xmlns:p="http://schemas.openxmlformats.org/presentationml/2006/main">
   <p:cSld>
-    <p:bg>
-      <p:bgPr>
-        <a:gradFill rotWithShape="1">
-          <a:gsLst>
-            <a:gs pos="0">
-              <a:schemeClr val="bg2">
-                <a:tint val="94000"/>
-                <a:satMod val="80000"/>
-                <a:lumMod val="106000"/>
-              </a:schemeClr>
-            </a:gs>
-            <a:gs pos="100000">
-              <a:schemeClr val="bg2">
-                <a:shade val="80000"/>
-              </a:schemeClr>
-            </a:gs>
-          </a:gsLst>
-          <a:path path="circle">
-            <a:fillToRect l="43000" r="43000" b="100000"/>
-          </a:path>
-        </a:gradFill>
-        <a:effectLst/>
-      </p:bgPr>
-    </p:bg>
     <p:spTree>
       <p:nvGrpSpPr>
         <p:cNvPr id="1" name=""/>
@@ -14460,533 +14116,21 @@
           <a:chExt cx="0" cy="0"/>
         </a:xfrm>
       </p:grpSpPr>
-      <p:sp useBgFill="1">
-        <p:nvSpPr>
-          <p:cNvPr id="10" name="Rectangle 9">
-            <a:extLst>
-              <a:ext uri="{FF2B5EF4-FFF2-40B4-BE49-F238E27FC236}">
-                <a16:creationId xmlns:a16="http://schemas.microsoft.com/office/drawing/2014/main" id="{35C3D674-3D59-4E93-80CA-0C0A9095E816}"/>
-              </a:ext>
-              <a:ext uri="{C183D7F6-B498-43B3-948B-1728B52AA6E4}">
-                <adec:decorative xmlns:adec="http://schemas.microsoft.com/office/drawing/2017/decorative" val="1"/>
-              </a:ext>
-            </a:extLst>
-          </p:cNvPr>
-          <p:cNvSpPr>
-            <a:spLocks noGrp="1" noRot="1" noChangeAspect="1" noMove="1" noResize="1" noEditPoints="1" noAdjustHandles="1" noChangeArrowheads="1" noChangeShapeType="1" noTextEdit="1"/>
-          </p:cNvSpPr>
-          <p:nvPr>
-            <p:extLst>
-              <p:ext uri="{386F3935-93C4-4BCD-93E2-E3B085C9AB24}">
-                <p16:designElem xmlns:p16="http://schemas.microsoft.com/office/powerpoint/2015/main" val="1"/>
-              </p:ext>
-            </p:extLst>
-          </p:nvPr>
+      <p:sp>
+        <p:nvSpPr>
+          <p:cNvPr id="4" name="TextBox 3">
+            <a:extLst>
+              <a:ext uri="{FF2B5EF4-FFF2-40B4-BE49-F238E27FC236}">
+                <a16:creationId xmlns:a16="http://schemas.microsoft.com/office/drawing/2014/main" id="{E0CED12F-A4B7-62DE-3415-DDFCEBC32B04}"/>
+              </a:ext>
+            </a:extLst>
+          </p:cNvPr>
+          <p:cNvSpPr txBox="1"/>
+          <p:nvPr/>
         </p:nvSpPr>
         <p:spPr>
           <a:xfrm>
-            <a:off x="2" y="0"/>
-            <a:ext cx="12191695" cy="6858000"/>
-          </a:xfrm>
-          <a:prstGeom prst="rect">
-            <a:avLst/>
-          </a:prstGeom>
-          <a:ln>
-            <a:noFill/>
-          </a:ln>
-        </p:spPr>
-        <p:style>
-          <a:lnRef idx="2">
-            <a:schemeClr val="accent1">
-              <a:shade val="50000"/>
-            </a:schemeClr>
-          </a:lnRef>
-          <a:fillRef idx="1">
-            <a:schemeClr val="accent1"/>
-          </a:fillRef>
-          <a:effectRef idx="0">
-            <a:schemeClr val="accent1"/>
-          </a:effectRef>
-          <a:fontRef idx="minor">
-            <a:schemeClr val="lt1"/>
-          </a:fontRef>
-        </p:style>
-        <p:txBody>
-          <a:bodyPr rtlCol="0" anchor="ctr"/>
-          <a:lstStyle/>
-          <a:p>
-            <a:pPr marL="0" marR="0" lvl="0" indent="0" algn="ctr" defTabSz="457200" rtl="0" eaLnBrk="1" fontAlgn="auto" latinLnBrk="0" hangingPunct="1">
-              <a:lnSpc>
-                <a:spcPct val="100000"/>
-              </a:lnSpc>
-              <a:spcBef>
-                <a:spcPts val="0"/>
-              </a:spcBef>
-              <a:spcAft>
-                <a:spcPts val="0"/>
-              </a:spcAft>
-              <a:buClrTx/>
-              <a:buSzTx/>
-              <a:buFontTx/>
-              <a:buNone/>
-              <a:tabLst/>
-              <a:defRPr/>
-            </a:pPr>
-            <a:endParaRPr kumimoji="0" lang="en-US" sz="1800" b="0" i="0" u="none" strike="noStrike" kern="1200" cap="none" spc="0" normalizeH="0" baseline="0" noProof="0">
-              <a:ln>
-                <a:noFill/>
-              </a:ln>
-              <a:solidFill>
-                <a:prstClr val="white"/>
-              </a:solidFill>
-              <a:effectLst/>
-              <a:uLnTx/>
-              <a:uFillTx/>
-              <a:latin typeface="Gill Sans MT" panose="020B0502020104020203"/>
-              <a:ea typeface="+mn-ea"/>
-              <a:cs typeface="+mn-cs"/>
-            </a:endParaRPr>
-          </a:p>
-        </p:txBody>
-      </p:sp>
-      <p:cxnSp>
-        <p:nvCxnSpPr>
-          <p:cNvPr id="12" name="Straight Connector 11">
-            <a:extLst>
-              <a:ext uri="{FF2B5EF4-FFF2-40B4-BE49-F238E27FC236}">
-                <a16:creationId xmlns:a16="http://schemas.microsoft.com/office/drawing/2014/main" id="{C884B8F8-FDC9-498B-9960-5D7260AFCB03}"/>
-              </a:ext>
-              <a:ext uri="{C183D7F6-B498-43B3-948B-1728B52AA6E4}">
-                <adec:decorative xmlns:adec="http://schemas.microsoft.com/office/drawing/2017/decorative" val="1"/>
-              </a:ext>
-            </a:extLst>
-          </p:cNvPr>
-          <p:cNvCxnSpPr>
-            <a:cxnSpLocks noGrp="1" noRot="1" noChangeAspect="1" noMove="1" noResize="1" noEditPoints="1" noAdjustHandles="1" noChangeArrowheads="1" noChangeShapeType="1"/>
-          </p:cNvCxnSpPr>
-          <p:nvPr>
-            <p:extLst>
-              <p:ext uri="{386F3935-93C4-4BCD-93E2-E3B085C9AB24}">
-                <p16:designElem xmlns:p16="http://schemas.microsoft.com/office/powerpoint/2015/main" val="1"/>
-              </p:ext>
-            </p:extLst>
-          </p:nvPr>
-        </p:nvCxnSpPr>
-        <p:spPr>
-          <a:xfrm>
-            <a:off x="1453896" y="1847088"/>
-            <a:ext cx="4177373" cy="0"/>
-          </a:xfrm>
-          <a:prstGeom prst="line">
-            <a:avLst/>
-          </a:prstGeom>
-          <a:ln w="31750"/>
-        </p:spPr>
-        <p:style>
-          <a:lnRef idx="3">
-            <a:schemeClr val="accent1"/>
-          </a:lnRef>
-          <a:fillRef idx="0">
-            <a:schemeClr val="accent1"/>
-          </a:fillRef>
-          <a:effectRef idx="2">
-            <a:schemeClr val="accent1"/>
-          </a:effectRef>
-          <a:fontRef idx="minor">
-            <a:schemeClr val="tx1"/>
-          </a:fontRef>
-        </p:style>
-      </p:cxnSp>
-      <p:sp>
-        <p:nvSpPr>
-          <p:cNvPr id="2" name="כותרת 1">
-            <a:extLst>
-              <a:ext uri="{FF2B5EF4-FFF2-40B4-BE49-F238E27FC236}">
-                <a16:creationId xmlns:a16="http://schemas.microsoft.com/office/drawing/2014/main" id="{E1521A83-4474-C809-B4D4-E858CE4C3E5C}"/>
-              </a:ext>
-            </a:extLst>
-          </p:cNvPr>
-          <p:cNvSpPr>
-            <a:spLocks noGrp="1"/>
-          </p:cNvSpPr>
-          <p:nvPr>
-            <p:ph type="title"/>
-          </p:nvPr>
-        </p:nvSpPr>
-        <p:spPr>
-          <a:xfrm>
-            <a:off x="1451581" y="965434"/>
-            <a:ext cx="4176511" cy="1049235"/>
-          </a:xfrm>
-        </p:spPr>
-        <p:txBody>
-          <a:bodyPr>
-            <a:normAutofit/>
-          </a:bodyPr>
-          <a:lstStyle/>
-          <a:p>
-            <a:pPr algn="r"/>
-            <a:r>
-              <a:rPr lang="he-IL" dirty="0"/>
-              <a:t>מסקנות</a:t>
-            </a:r>
-          </a:p>
-        </p:txBody>
-      </p:sp>
-      <p:sp>
-        <p:nvSpPr>
-          <p:cNvPr id="14" name="Rectangle 13">
-            <a:extLst>
-              <a:ext uri="{FF2B5EF4-FFF2-40B4-BE49-F238E27FC236}">
-                <a16:creationId xmlns:a16="http://schemas.microsoft.com/office/drawing/2014/main" id="{EF2A81E1-BCBE-426B-8C09-33274E69409D}"/>
-              </a:ext>
-              <a:ext uri="{C183D7F6-B498-43B3-948B-1728B52AA6E4}">
-                <adec:decorative xmlns:adec="http://schemas.microsoft.com/office/drawing/2017/decorative" val="1"/>
-              </a:ext>
-            </a:extLst>
-          </p:cNvPr>
-          <p:cNvSpPr>
-            <a:spLocks noGrp="1" noRot="1" noChangeAspect="1" noMove="1" noResize="1" noEditPoints="1" noAdjustHandles="1" noChangeArrowheads="1" noChangeShapeType="1" noTextEdit="1"/>
-          </p:cNvSpPr>
-          <p:nvPr>
-            <p:extLst>
-              <p:ext uri="{386F3935-93C4-4BCD-93E2-E3B085C9AB24}">
-                <p16:designElem xmlns:p16="http://schemas.microsoft.com/office/powerpoint/2015/main" val="1"/>
-              </p:ext>
-            </p:extLst>
-          </p:nvPr>
-        </p:nvSpPr>
-        <p:spPr>
-          <a:xfrm>
-            <a:off x="0" y="2019476"/>
-            <a:ext cx="12192000" cy="4105941"/>
-          </a:xfrm>
-          <a:prstGeom prst="rect">
-            <a:avLst/>
-          </a:prstGeom>
-          <a:gradFill flip="none" rotWithShape="1">
-            <a:gsLst>
-              <a:gs pos="0">
-                <a:schemeClr val="bg2">
-                  <a:alpha val="0"/>
-                </a:schemeClr>
-              </a:gs>
-              <a:gs pos="100000">
-                <a:schemeClr val="bg2"/>
-              </a:gs>
-            </a:gsLst>
-            <a:lin ang="5400000" scaled="0"/>
-            <a:tileRect/>
-          </a:gradFill>
-          <a:ln>
-            <a:noFill/>
-          </a:ln>
-        </p:spPr>
-        <p:style>
-          <a:lnRef idx="2">
-            <a:schemeClr val="accent1">
-              <a:shade val="50000"/>
-            </a:schemeClr>
-          </a:lnRef>
-          <a:fillRef idx="1">
-            <a:schemeClr val="accent1"/>
-          </a:fillRef>
-          <a:effectRef idx="0">
-            <a:schemeClr val="accent1"/>
-          </a:effectRef>
-          <a:fontRef idx="minor">
-            <a:schemeClr val="lt1"/>
-          </a:fontRef>
-        </p:style>
-        <p:txBody>
-          <a:bodyPr rtlCol="0" anchor="ctr"/>
-          <a:lstStyle/>
-          <a:p>
-            <a:pPr marL="0" marR="0" lvl="0" indent="0" algn="ctr" defTabSz="457200" rtl="0" eaLnBrk="1" fontAlgn="auto" latinLnBrk="0" hangingPunct="1">
-              <a:lnSpc>
-                <a:spcPct val="100000"/>
-              </a:lnSpc>
-              <a:spcBef>
-                <a:spcPts val="0"/>
-              </a:spcBef>
-              <a:spcAft>
-                <a:spcPts val="0"/>
-              </a:spcAft>
-              <a:buClrTx/>
-              <a:buSzTx/>
-              <a:buFontTx/>
-              <a:buNone/>
-              <a:tabLst/>
-              <a:defRPr/>
-            </a:pPr>
-            <a:endParaRPr kumimoji="0" lang="en-US" sz="1800" b="0" i="0" u="none" strike="noStrike" kern="1200" cap="none" spc="0" normalizeH="0" baseline="0" noProof="0">
-              <a:ln>
-                <a:noFill/>
-              </a:ln>
-              <a:solidFill>
-                <a:prstClr val="white"/>
-              </a:solidFill>
-              <a:effectLst/>
-              <a:uLnTx/>
-              <a:uFillTx/>
-              <a:latin typeface="Gill Sans MT" panose="020B0502020104020203"/>
-              <a:ea typeface="+mn-ea"/>
-              <a:cs typeface="+mn-cs"/>
-            </a:endParaRPr>
-          </a:p>
-        </p:txBody>
-      </p:sp>
-      <p:sp>
-        <p:nvSpPr>
-          <p:cNvPr id="3" name="מציין מיקום תוכן 2">
-            <a:extLst>
-              <a:ext uri="{FF2B5EF4-FFF2-40B4-BE49-F238E27FC236}">
-                <a16:creationId xmlns:a16="http://schemas.microsoft.com/office/drawing/2014/main" id="{60253C17-56CF-AF01-0C4D-93FADF83E188}"/>
-              </a:ext>
-            </a:extLst>
-          </p:cNvPr>
-          <p:cNvSpPr>
-            <a:spLocks noGrp="1"/>
-          </p:cNvSpPr>
-          <p:nvPr>
-            <p:ph idx="1"/>
-          </p:nvPr>
-        </p:nvSpPr>
-        <p:spPr>
-          <a:xfrm>
-            <a:off x="1002890" y="2015732"/>
-            <a:ext cx="4944857" cy="3450613"/>
-          </a:xfrm>
-          <a:scene3d>
-            <a:camera prst="orthographicFront"/>
-            <a:lightRig rig="threePt" dir="t"/>
-          </a:scene3d>
-        </p:spPr>
-        <p:txBody>
-          <a:bodyPr>
-            <a:normAutofit/>
-          </a:bodyPr>
-          <a:lstStyle/>
-          <a:p>
-            <a:r>
-              <a:rPr lang="he-IL" dirty="0"/>
-              <a:t>מודל למידה עמוקה הטוב ביותר הציג          </a:t>
-            </a:r>
-            <a:r>
-              <a:rPr lang="en-US" b="1" dirty="0"/>
-              <a:t>R² ≈ 97%</a:t>
-            </a:r>
-            <a:endParaRPr lang="he-IL" b="1" dirty="0"/>
-          </a:p>
-          <a:p>
-            <a:r>
-              <a:rPr lang="en-US" dirty="0"/>
-              <a:t>Image Classification</a:t>
-            </a:r>
-            <a:r>
-              <a:rPr lang="he-IL" dirty="0"/>
-              <a:t> באמצעות </a:t>
-            </a:r>
-            <a:r>
-              <a:rPr lang="en-US" dirty="0"/>
-              <a:t> ASTAI </a:t>
-            </a:r>
-            <a:r>
-              <a:rPr lang="he-IL" dirty="0"/>
-              <a:t>הציג </a:t>
-            </a:r>
-            <a:r>
-              <a:rPr lang="en-US" b="1" dirty="0"/>
-              <a:t>R² ≈ 73%</a:t>
-            </a:r>
-          </a:p>
-          <a:p>
-            <a:endParaRPr lang="he-IL" dirty="0"/>
-          </a:p>
-        </p:txBody>
-      </p:sp>
-      <p:pic>
-        <p:nvPicPr>
-          <p:cNvPr id="7" name="Graphic 6" descr="ספרים">
-            <a:extLst>
-              <a:ext uri="{FF2B5EF4-FFF2-40B4-BE49-F238E27FC236}">
-                <a16:creationId xmlns:a16="http://schemas.microsoft.com/office/drawing/2014/main" id="{287B443D-ADD6-ECFD-A046-A1326B958BE1}"/>
-              </a:ext>
-            </a:extLst>
-          </p:cNvPr>
-          <p:cNvPicPr>
-            <a:picLocks noChangeAspect="1"/>
-          </p:cNvPicPr>
-          <p:nvPr/>
-        </p:nvPicPr>
-        <p:blipFill>
-          <a:blip r:embed="rId2">
-            <a:extLst>
-              <a:ext uri="{28A0092B-C50C-407E-A947-70E740481C1C}">
-                <a14:useLocalDpi xmlns:a14="http://schemas.microsoft.com/office/drawing/2010/main" val="0"/>
-              </a:ext>
-              <a:ext uri="{96DAC541-7B7A-43D3-8B79-37D633B846F1}">
-                <asvg:svgBlip xmlns:asvg="http://schemas.microsoft.com/office/drawing/2016/SVG/main" r:embed="rId3"/>
-              </a:ext>
-            </a:extLst>
-          </a:blip>
-          <a:stretch>
-            <a:fillRect/>
-          </a:stretch>
-        </p:blipFill>
-        <p:spPr>
-          <a:xfrm>
-            <a:off x="6244251" y="805583"/>
-            <a:ext cx="4660762" cy="4660762"/>
-          </a:xfrm>
-          <a:prstGeom prst="rect">
-            <a:avLst/>
-          </a:prstGeom>
-        </p:spPr>
-      </p:pic>
-      <p:pic>
-        <p:nvPicPr>
-          <p:cNvPr id="16" name="Picture 15">
-            <a:extLst>
-              <a:ext uri="{FF2B5EF4-FFF2-40B4-BE49-F238E27FC236}">
-                <a16:creationId xmlns:a16="http://schemas.microsoft.com/office/drawing/2014/main" id="{39D1DDD4-5BB3-45BA-B9B3-06B62299AD79}"/>
-              </a:ext>
-              <a:ext uri="{C183D7F6-B498-43B3-948B-1728B52AA6E4}">
-                <adec:decorative xmlns:adec="http://schemas.microsoft.com/office/drawing/2017/decorative" val="1"/>
-              </a:ext>
-            </a:extLst>
-          </p:cNvPr>
-          <p:cNvPicPr>
-            <a:picLocks noGrp="1" noRot="1" noChangeAspect="1" noMove="1" noResize="1" noEditPoints="1" noAdjustHandles="1" noChangeArrowheads="1" noChangeShapeType="1" noCrop="1"/>
-          </p:cNvPicPr>
-          <p:nvPr>
-            <p:extLst>
-              <p:ext uri="{386F3935-93C4-4BCD-93E2-E3B085C9AB24}">
-                <p16:designElem xmlns:p16="http://schemas.microsoft.com/office/powerpoint/2015/main" val="1"/>
-              </p:ext>
-            </p:extLst>
-          </p:nvPr>
-        </p:nvPicPr>
-        <p:blipFill rotWithShape="1">
-          <a:blip r:embed="rId4">
-            <a:extLst>
-              <a:ext uri="{28A0092B-C50C-407E-A947-70E740481C1C}">
-                <a14:useLocalDpi xmlns:a14="http://schemas.microsoft.com/office/drawing/2010/main" val="0"/>
-              </a:ext>
-            </a:extLst>
-          </a:blip>
-          <a:srcRect t="1538" b="-1538"/>
-          <a:stretch/>
-        </p:blipFill>
-        <p:spPr bwMode="black">
-          <a:xfrm>
-            <a:off x="0" y="6126480"/>
-            <a:ext cx="12192000" cy="742950"/>
-          </a:xfrm>
-          <a:prstGeom prst="rect">
-            <a:avLst/>
-          </a:prstGeom>
-        </p:spPr>
-      </p:pic>
-      <p:cxnSp>
-        <p:nvCxnSpPr>
-          <p:cNvPr id="18" name="Straight Connector 17">
-            <a:extLst>
-              <a:ext uri="{FF2B5EF4-FFF2-40B4-BE49-F238E27FC236}">
-                <a16:creationId xmlns:a16="http://schemas.microsoft.com/office/drawing/2014/main" id="{A24DAE64-2302-42EA-8239-F2F0775CA5AD}"/>
-              </a:ext>
-              <a:ext uri="{C183D7F6-B498-43B3-948B-1728B52AA6E4}">
-                <adec:decorative xmlns:adec="http://schemas.microsoft.com/office/drawing/2017/decorative" val="1"/>
-              </a:ext>
-            </a:extLst>
-          </p:cNvPr>
-          <p:cNvCxnSpPr>
-            <a:cxnSpLocks noGrp="1" noRot="1" noChangeAspect="1" noMove="1" noResize="1" noEditPoints="1" noAdjustHandles="1" noChangeArrowheads="1" noChangeShapeType="1"/>
-          </p:cNvCxnSpPr>
-          <p:nvPr>
-            <p:extLst>
-              <p:ext uri="{386F3935-93C4-4BCD-93E2-E3B085C9AB24}">
-                <p16:designElem xmlns:p16="http://schemas.microsoft.com/office/powerpoint/2015/main" val="1"/>
-              </p:ext>
-            </p:extLst>
-          </p:nvPr>
-        </p:nvCxnSpPr>
-        <p:spPr>
-          <a:xfrm>
-            <a:off x="0" y="6128413"/>
-            <a:ext cx="12192000" cy="0"/>
-          </a:xfrm>
-          <a:prstGeom prst="line">
-            <a:avLst/>
-          </a:prstGeom>
-          <a:ln w="12700">
-            <a:solidFill>
-              <a:srgbClr val="000001">
-                <a:alpha val="20000"/>
-              </a:srgbClr>
-            </a:solidFill>
-          </a:ln>
-        </p:spPr>
-        <p:style>
-          <a:lnRef idx="1">
-            <a:schemeClr val="accent1"/>
-          </a:lnRef>
-          <a:fillRef idx="0">
-            <a:schemeClr val="accent1"/>
-          </a:fillRef>
-          <a:effectRef idx="0">
-            <a:schemeClr val="accent1"/>
-          </a:effectRef>
-          <a:fontRef idx="minor">
-            <a:schemeClr val="tx1"/>
-          </a:fontRef>
-        </p:style>
-      </p:cxnSp>
-    </p:spTree>
-    <p:extLst>
-      <p:ext uri="{BB962C8B-B14F-4D97-AF65-F5344CB8AC3E}">
-        <p14:creationId xmlns:p14="http://schemas.microsoft.com/office/powerpoint/2010/main" val="2936354198"/>
-      </p:ext>
-    </p:extLst>
-  </p:cSld>
-  <p:clrMapOvr>
-    <a:masterClrMapping/>
-  </p:clrMapOvr>
-</p:sld>
-</file>
-
-<file path=ppt/slides/slide5.xml><?xml version="1.0" encoding="utf-8"?>
-<p:sld xmlns:a="http://schemas.openxmlformats.org/drawingml/2006/main" xmlns:r="http://schemas.openxmlformats.org/officeDocument/2006/relationships" xmlns:p="http://schemas.openxmlformats.org/presentationml/2006/main">
-  <p:cSld>
-    <p:spTree>
-      <p:nvGrpSpPr>
-        <p:cNvPr id="1" name=""/>
-        <p:cNvGrpSpPr/>
-        <p:nvPr/>
-      </p:nvGrpSpPr>
-      <p:grpSpPr>
-        <a:xfrm>
-          <a:off x="0" y="0"/>
-          <a:ext cx="0" cy="0"/>
-          <a:chOff x="0" y="0"/>
-          <a:chExt cx="0" cy="0"/>
-        </a:xfrm>
-      </p:grpSpPr>
-      <p:sp>
-        <p:nvSpPr>
-          <p:cNvPr id="4" name="TextBox 3">
-            <a:extLst>
-              <a:ext uri="{FF2B5EF4-FFF2-40B4-BE49-F238E27FC236}">
-                <a16:creationId xmlns:a16="http://schemas.microsoft.com/office/drawing/2014/main" id="{E0CED12F-A4B7-62DE-3415-DDFCEBC32B04}"/>
-              </a:ext>
-            </a:extLst>
-          </p:cNvPr>
-          <p:cNvSpPr txBox="1"/>
-          <p:nvPr/>
-        </p:nvSpPr>
-        <p:spPr>
-          <a:xfrm>
-            <a:off x="4738791" y="495882"/>
+            <a:off x="4579400" y="495882"/>
             <a:ext cx="3096526" cy="830997"/>
           </a:xfrm>
           <a:prstGeom prst="rect">
@@ -16071,7 +15215,7 @@
         <p:spPr>
           <a:xfrm flipH="1">
             <a:off x="3165054" y="1326879"/>
-            <a:ext cx="3122000" cy="465161"/>
+            <a:ext cx="2962609" cy="465161"/>
           </a:xfrm>
           <a:prstGeom prst="straightConnector1">
             <a:avLst/>
@@ -16113,8 +15257,8 @@
         </p:nvCxnSpPr>
         <p:spPr>
           <a:xfrm>
-            <a:off x="6287054" y="1326879"/>
-            <a:ext cx="2421248" cy="471434"/>
+            <a:off x="6127663" y="1326879"/>
+            <a:ext cx="2580639" cy="471434"/>
           </a:xfrm>
           <a:prstGeom prst="straightConnector1">
             <a:avLst/>
@@ -16308,6 +15452,76 @@
           </a:prstGeom>
         </p:spPr>
       </p:pic>
+      <p:sp>
+        <p:nvSpPr>
+          <p:cNvPr id="2" name="TextBox 1">
+            <a:extLst>
+              <a:ext uri="{FF2B5EF4-FFF2-40B4-BE49-F238E27FC236}">
+                <a16:creationId xmlns:a16="http://schemas.microsoft.com/office/drawing/2014/main" id="{E26B60FE-4D77-2300-0E85-5DDB5927E358}"/>
+              </a:ext>
+            </a:extLst>
+          </p:cNvPr>
+          <p:cNvSpPr txBox="1"/>
+          <p:nvPr/>
+        </p:nvSpPr>
+        <p:spPr>
+          <a:xfrm>
+            <a:off x="2222859" y="1160255"/>
+            <a:ext cx="1729063" cy="369332"/>
+          </a:xfrm>
+          <a:prstGeom prst="rect">
+            <a:avLst/>
+          </a:prstGeom>
+          <a:noFill/>
+        </p:spPr>
+        <p:txBody>
+          <a:bodyPr wrap="none" rtlCol="0">
+            <a:spAutoFit/>
+          </a:bodyPr>
+          <a:lstStyle/>
+          <a:p>
+            <a:r>
+              <a:rPr lang="en-US" dirty="0"/>
+              <a:t>Table processing</a:t>
+            </a:r>
+          </a:p>
+        </p:txBody>
+      </p:sp>
+      <p:sp>
+        <p:nvSpPr>
+          <p:cNvPr id="3" name="TextBox 2">
+            <a:extLst>
+              <a:ext uri="{FF2B5EF4-FFF2-40B4-BE49-F238E27FC236}">
+                <a16:creationId xmlns:a16="http://schemas.microsoft.com/office/drawing/2014/main" id="{DE182D15-22A7-879E-40FE-8C58C5F84F22}"/>
+              </a:ext>
+            </a:extLst>
+          </p:cNvPr>
+          <p:cNvSpPr txBox="1"/>
+          <p:nvPr/>
+        </p:nvSpPr>
+        <p:spPr>
+          <a:xfrm>
+            <a:off x="7803662" y="1167134"/>
+            <a:ext cx="1809278" cy="369332"/>
+          </a:xfrm>
+          <a:prstGeom prst="rect">
+            <a:avLst/>
+          </a:prstGeom>
+          <a:noFill/>
+        </p:spPr>
+        <p:txBody>
+          <a:bodyPr wrap="none" rtlCol="0">
+            <a:spAutoFit/>
+          </a:bodyPr>
+          <a:lstStyle/>
+          <a:p>
+            <a:r>
+              <a:rPr lang="en-US" dirty="0"/>
+              <a:t>Image processing</a:t>
+            </a:r>
+          </a:p>
+        </p:txBody>
+      </p:sp>
     </p:spTree>
     <p:extLst>
       <p:ext uri="{BB962C8B-B14F-4D97-AF65-F5344CB8AC3E}">
@@ -16321,7 +15535,7 @@
 </p:sld>
 </file>
 
-<file path=ppt/slides/slide6.xml><?xml version="1.0" encoding="utf-8"?>
+<file path=ppt/slides/slide5.xml><?xml version="1.0" encoding="utf-8"?>
 <p:sld xmlns:a="http://schemas.openxmlformats.org/drawingml/2006/main" xmlns:r="http://schemas.openxmlformats.org/officeDocument/2006/relationships" xmlns:p="http://schemas.openxmlformats.org/presentationml/2006/main">
   <p:cSld>
     <p:spTree>
@@ -17522,6 +16736,76 @@
           </a:ln>
         </p:spPr>
       </p:pic>
+      <p:sp>
+        <p:nvSpPr>
+          <p:cNvPr id="2" name="TextBox 1">
+            <a:extLst>
+              <a:ext uri="{FF2B5EF4-FFF2-40B4-BE49-F238E27FC236}">
+                <a16:creationId xmlns:a16="http://schemas.microsoft.com/office/drawing/2014/main" id="{2FB0F4FD-2C2C-6FCC-7AAB-D4829BCFE2E1}"/>
+              </a:ext>
+            </a:extLst>
+          </p:cNvPr>
+          <p:cNvSpPr txBox="1"/>
+          <p:nvPr/>
+        </p:nvSpPr>
+        <p:spPr>
+          <a:xfrm>
+            <a:off x="2325027" y="2050429"/>
+            <a:ext cx="1729063" cy="369332"/>
+          </a:xfrm>
+          <a:prstGeom prst="rect">
+            <a:avLst/>
+          </a:prstGeom>
+          <a:noFill/>
+        </p:spPr>
+        <p:txBody>
+          <a:bodyPr wrap="none" rtlCol="0">
+            <a:spAutoFit/>
+          </a:bodyPr>
+          <a:lstStyle/>
+          <a:p>
+            <a:r>
+              <a:rPr lang="en-US" dirty="0"/>
+              <a:t>Table processing</a:t>
+            </a:r>
+          </a:p>
+        </p:txBody>
+      </p:sp>
+      <p:sp>
+        <p:nvSpPr>
+          <p:cNvPr id="3" name="TextBox 2">
+            <a:extLst>
+              <a:ext uri="{FF2B5EF4-FFF2-40B4-BE49-F238E27FC236}">
+                <a16:creationId xmlns:a16="http://schemas.microsoft.com/office/drawing/2014/main" id="{23AC6920-6FA5-FBAA-5B84-B9ECD10EF712}"/>
+              </a:ext>
+            </a:extLst>
+          </p:cNvPr>
+          <p:cNvSpPr txBox="1"/>
+          <p:nvPr/>
+        </p:nvSpPr>
+        <p:spPr>
+          <a:xfrm>
+            <a:off x="8287620" y="2029074"/>
+            <a:ext cx="1809278" cy="369332"/>
+          </a:xfrm>
+          <a:prstGeom prst="rect">
+            <a:avLst/>
+          </a:prstGeom>
+          <a:noFill/>
+        </p:spPr>
+        <p:txBody>
+          <a:bodyPr wrap="none" rtlCol="0">
+            <a:spAutoFit/>
+          </a:bodyPr>
+          <a:lstStyle/>
+          <a:p>
+            <a:r>
+              <a:rPr lang="en-US" dirty="0"/>
+              <a:t>Image processing</a:t>
+            </a:r>
+          </a:p>
+        </p:txBody>
+      </p:sp>
     </p:spTree>
     <p:extLst>
       <p:ext uri="{BB962C8B-B14F-4D97-AF65-F5344CB8AC3E}">
@@ -17535,7 +16819,7 @@
 </p:sld>
 </file>
 
-<file path=ppt/slides/slide7.xml><?xml version="1.0" encoding="utf-8"?>
+<file path=ppt/slides/slide6.xml><?xml version="1.0" encoding="utf-8"?>
 <p:sld xmlns:a="http://schemas.openxmlformats.org/drawingml/2006/main" xmlns:r="http://schemas.openxmlformats.org/officeDocument/2006/relationships" xmlns:p="http://schemas.openxmlformats.org/presentationml/2006/main">
   <p:cSld>
     <p:spTree>
@@ -19152,7 +18436,7 @@
 </p:sld>
 </file>
 
-<file path=ppt/slides/slide8.xml><?xml version="1.0" encoding="utf-8"?>
+<file path=ppt/slides/slide7.xml><?xml version="1.0" encoding="utf-8"?>
 <p:sld xmlns:a="http://schemas.openxmlformats.org/drawingml/2006/main" xmlns:r="http://schemas.openxmlformats.org/officeDocument/2006/relationships" xmlns:p="http://schemas.openxmlformats.org/presentationml/2006/main">
   <p:cSld>
     <p:spTree>
@@ -20425,7 +19709,7 @@
 </p:sld>
 </file>
 
-<file path=ppt/slides/slide9.xml><?xml version="1.0" encoding="utf-8"?>
+<file path=ppt/slides/slide8.xml><?xml version="1.0" encoding="utf-8"?>
 <p:sld xmlns:a="http://schemas.openxmlformats.org/drawingml/2006/main" xmlns:r="http://schemas.openxmlformats.org/officeDocument/2006/relationships" xmlns:p="http://schemas.openxmlformats.org/presentationml/2006/main">
   <p:cSld>
     <p:spTree>
@@ -21171,6 +20455,325 @@
     <p:extLst>
       <p:ext uri="{BB962C8B-B14F-4D97-AF65-F5344CB8AC3E}">
         <p14:creationId xmlns:p14="http://schemas.microsoft.com/office/powerpoint/2010/main" val="2023319756"/>
+      </p:ext>
+    </p:extLst>
+  </p:cSld>
+  <p:clrMapOvr>
+    <a:masterClrMapping/>
+  </p:clrMapOvr>
+</p:sld>
+</file>
+
+<file path=ppt/slides/slide9.xml><?xml version="1.0" encoding="utf-8"?>
+<p:sld xmlns:a="http://schemas.openxmlformats.org/drawingml/2006/main" xmlns:r="http://schemas.openxmlformats.org/officeDocument/2006/relationships" xmlns:p="http://schemas.openxmlformats.org/presentationml/2006/main">
+  <p:cSld>
+    <p:spTree>
+      <p:nvGrpSpPr>
+        <p:cNvPr id="1" name="">
+          <a:extLst>
+            <a:ext uri="{FF2B5EF4-FFF2-40B4-BE49-F238E27FC236}">
+              <a16:creationId xmlns:a16="http://schemas.microsoft.com/office/drawing/2014/main" id="{B44BFDC7-345D-9943-94F1-73C1C6791195}"/>
+            </a:ext>
+          </a:extLst>
+        </p:cNvPr>
+        <p:cNvGrpSpPr/>
+        <p:nvPr/>
+      </p:nvGrpSpPr>
+      <p:grpSpPr>
+        <a:xfrm>
+          <a:off x="0" y="0"/>
+          <a:ext cx="0" cy="0"/>
+          <a:chOff x="0" y="0"/>
+          <a:chExt cx="0" cy="0"/>
+        </a:xfrm>
+      </p:grpSpPr>
+      <p:sp>
+        <p:nvSpPr>
+          <p:cNvPr id="72" name="Title 1">
+            <a:extLst>
+              <a:ext uri="{FF2B5EF4-FFF2-40B4-BE49-F238E27FC236}">
+                <a16:creationId xmlns:a16="http://schemas.microsoft.com/office/drawing/2014/main" id="{FAE8B685-AE3B-0F5F-8CE0-5F99C1DD169A}"/>
+              </a:ext>
+            </a:extLst>
+          </p:cNvPr>
+          <p:cNvSpPr txBox="1">
+            <a:spLocks/>
+          </p:cNvSpPr>
+          <p:nvPr/>
+        </p:nvSpPr>
+        <p:spPr>
+          <a:xfrm>
+            <a:off x="743312" y="209853"/>
+            <a:ext cx="10515600" cy="593331"/>
+          </a:xfrm>
+          <a:prstGeom prst="rect">
+            <a:avLst/>
+          </a:prstGeom>
+        </p:spPr>
+        <p:txBody>
+          <a:bodyPr vert="horz" lIns="91440" tIns="45720" rIns="91440" bIns="45720" rtlCol="0" anchor="b">
+            <a:normAutofit/>
+          </a:bodyPr>
+          <a:lstStyle>
+            <a:lvl1pPr algn="ctr" defTabSz="914400" rtl="0" eaLnBrk="1" latinLnBrk="0" hangingPunct="1">
+              <a:lnSpc>
+                <a:spcPct val="90000"/>
+              </a:lnSpc>
+              <a:spcBef>
+                <a:spcPct val="0"/>
+              </a:spcBef>
+              <a:buNone/>
+              <a:defRPr sz="6000" kern="1200">
+                <a:solidFill>
+                  <a:schemeClr val="tx1"/>
+                </a:solidFill>
+                <a:latin typeface="+mj-lt"/>
+                <a:ea typeface="+mj-ea"/>
+                <a:cs typeface="+mj-cs"/>
+              </a:defRPr>
+            </a:lvl1pPr>
+          </a:lstStyle>
+          <a:p>
+            <a:pPr algn="l">
+              <a:defRPr sz="3000" b="1">
+                <a:solidFill>
+                  <a:srgbClr val="203A5F"/>
+                </a:solidFill>
+              </a:defRPr>
+            </a:pPr>
+            <a:r>
+              <a:rPr lang="en-US" dirty="0"/>
+              <a:t>Model selection</a:t>
+            </a:r>
+          </a:p>
+        </p:txBody>
+      </p:sp>
+      <p:pic>
+        <p:nvPicPr>
+          <p:cNvPr id="3" name="Picture 2">
+            <a:extLst>
+              <a:ext uri="{FF2B5EF4-FFF2-40B4-BE49-F238E27FC236}">
+                <a16:creationId xmlns:a16="http://schemas.microsoft.com/office/drawing/2014/main" id="{DA1BB7A5-6ECD-13EE-6AA5-3A955780F908}"/>
+              </a:ext>
+            </a:extLst>
+          </p:cNvPr>
+          <p:cNvPicPr>
+            <a:picLocks noChangeAspect="1"/>
+          </p:cNvPicPr>
+          <p:nvPr/>
+        </p:nvPicPr>
+        <p:blipFill>
+          <a:blip r:embed="rId2"/>
+          <a:stretch>
+            <a:fillRect/>
+          </a:stretch>
+        </p:blipFill>
+        <p:spPr>
+          <a:xfrm>
+            <a:off x="3699544" y="707079"/>
+            <a:ext cx="3569347" cy="2772052"/>
+          </a:xfrm>
+          <a:prstGeom prst="rect">
+            <a:avLst/>
+          </a:prstGeom>
+        </p:spPr>
+      </p:pic>
+      <p:pic>
+        <p:nvPicPr>
+          <p:cNvPr id="12" name="Picture 11">
+            <a:extLst>
+              <a:ext uri="{FF2B5EF4-FFF2-40B4-BE49-F238E27FC236}">
+                <a16:creationId xmlns:a16="http://schemas.microsoft.com/office/drawing/2014/main" id="{773CDA28-730E-3B71-BBE1-724DF78B86FE}"/>
+              </a:ext>
+            </a:extLst>
+          </p:cNvPr>
+          <p:cNvPicPr>
+            <a:picLocks noChangeAspect="1"/>
+          </p:cNvPicPr>
+          <p:nvPr/>
+        </p:nvPicPr>
+        <p:blipFill>
+          <a:blip r:embed="rId3"/>
+          <a:stretch>
+            <a:fillRect/>
+          </a:stretch>
+        </p:blipFill>
+        <p:spPr>
+          <a:xfrm>
+            <a:off x="7482980" y="446696"/>
+            <a:ext cx="4347044" cy="2936330"/>
+          </a:xfrm>
+          <a:prstGeom prst="rect">
+            <a:avLst/>
+          </a:prstGeom>
+        </p:spPr>
+      </p:pic>
+      <p:pic>
+        <p:nvPicPr>
+          <p:cNvPr id="14" name="Picture 13">
+            <a:extLst>
+              <a:ext uri="{FF2B5EF4-FFF2-40B4-BE49-F238E27FC236}">
+                <a16:creationId xmlns:a16="http://schemas.microsoft.com/office/drawing/2014/main" id="{F4207929-6C1C-A19D-11A5-607C8DECEE28}"/>
+              </a:ext>
+            </a:extLst>
+          </p:cNvPr>
+          <p:cNvPicPr>
+            <a:picLocks noChangeAspect="1"/>
+          </p:cNvPicPr>
+          <p:nvPr/>
+        </p:nvPicPr>
+        <p:blipFill>
+          <a:blip r:embed="rId4"/>
+          <a:stretch>
+            <a:fillRect/>
+          </a:stretch>
+        </p:blipFill>
+        <p:spPr>
+          <a:xfrm>
+            <a:off x="7482980" y="4379261"/>
+            <a:ext cx="4208751" cy="2157877"/>
+          </a:xfrm>
+          <a:prstGeom prst="rect">
+            <a:avLst/>
+          </a:prstGeom>
+        </p:spPr>
+      </p:pic>
+      <p:pic>
+        <p:nvPicPr>
+          <p:cNvPr id="16" name="Picture 15">
+            <a:extLst>
+              <a:ext uri="{FF2B5EF4-FFF2-40B4-BE49-F238E27FC236}">
+                <a16:creationId xmlns:a16="http://schemas.microsoft.com/office/drawing/2014/main" id="{296D310C-AC8F-A4F5-9F4F-89F5AC4F6DD3}"/>
+              </a:ext>
+            </a:extLst>
+          </p:cNvPr>
+          <p:cNvPicPr>
+            <a:picLocks noChangeAspect="1"/>
+          </p:cNvPicPr>
+          <p:nvPr/>
+        </p:nvPicPr>
+        <p:blipFill>
+          <a:blip r:embed="rId5"/>
+          <a:stretch>
+            <a:fillRect/>
+          </a:stretch>
+        </p:blipFill>
+        <p:spPr>
+          <a:xfrm>
+            <a:off x="3038657" y="3690473"/>
+            <a:ext cx="3913294" cy="2720831"/>
+          </a:xfrm>
+          <a:prstGeom prst="rect">
+            <a:avLst/>
+          </a:prstGeom>
+        </p:spPr>
+      </p:pic>
+      <p:sp>
+        <p:nvSpPr>
+          <p:cNvPr id="17" name="TextBox 16">
+            <a:extLst>
+              <a:ext uri="{FF2B5EF4-FFF2-40B4-BE49-F238E27FC236}">
+                <a16:creationId xmlns:a16="http://schemas.microsoft.com/office/drawing/2014/main" id="{146D6559-6586-8ECA-D707-FC8C5CB7B9DA}"/>
+              </a:ext>
+            </a:extLst>
+          </p:cNvPr>
+          <p:cNvSpPr txBox="1"/>
+          <p:nvPr/>
+        </p:nvSpPr>
+        <p:spPr>
+          <a:xfrm>
+            <a:off x="175830" y="1397812"/>
+            <a:ext cx="3309625" cy="1769715"/>
+          </a:xfrm>
+          <a:prstGeom prst="rect">
+            <a:avLst/>
+          </a:prstGeom>
+          <a:noFill/>
+        </p:spPr>
+        <p:txBody>
+          <a:bodyPr wrap="square" rtlCol="0">
+            <a:spAutoFit/>
+          </a:bodyPr>
+          <a:lstStyle/>
+          <a:p>
+            <a:r>
+              <a:rPr lang="en-US" sz="1400" b="1" dirty="0"/>
+              <a:t>Key take away:</a:t>
+            </a:r>
+          </a:p>
+          <a:p>
+            <a:endParaRPr lang="en-US" sz="1400" dirty="0"/>
+          </a:p>
+          <a:p>
+            <a:pPr marL="342900" indent="-342900">
+              <a:spcBef>
+                <a:spcPts val="600"/>
+              </a:spcBef>
+              <a:spcAft>
+                <a:spcPts val="600"/>
+              </a:spcAft>
+              <a:buFont typeface="+mj-lt"/>
+              <a:buAutoNum type="arabicPeriod"/>
+            </a:pPr>
+            <a:r>
+              <a:rPr lang="en-US" sz="1400" u="sng" dirty="0"/>
+              <a:t>R2</a:t>
+            </a:r>
+            <a:r>
+              <a:rPr lang="en-US" sz="1400" dirty="0"/>
+              <a:t> is very high</a:t>
+            </a:r>
+          </a:p>
+          <a:p>
+            <a:pPr marL="342900" indent="-342900">
+              <a:spcBef>
+                <a:spcPts val="600"/>
+              </a:spcBef>
+              <a:spcAft>
+                <a:spcPts val="600"/>
+              </a:spcAft>
+              <a:buFont typeface="+mj-lt"/>
+              <a:buAutoNum type="arabicPeriod"/>
+            </a:pPr>
+            <a:r>
+              <a:rPr lang="en-US" sz="1400" dirty="0"/>
+              <a:t>The ticker is </a:t>
+            </a:r>
+            <a:r>
+              <a:rPr lang="en-US" sz="1400" u="sng" dirty="0"/>
+              <a:t>the best feature </a:t>
+            </a:r>
+            <a:r>
+              <a:rPr lang="en-US" sz="1400" dirty="0"/>
+              <a:t>to predict the ticker</a:t>
+            </a:r>
+          </a:p>
+          <a:p>
+            <a:pPr marL="342900" indent="-342900">
+              <a:spcBef>
+                <a:spcPts val="600"/>
+              </a:spcBef>
+              <a:spcAft>
+                <a:spcPts val="600"/>
+              </a:spcAft>
+              <a:buFont typeface="+mj-lt"/>
+              <a:buAutoNum type="arabicPeriod"/>
+            </a:pPr>
+            <a:r>
+              <a:rPr lang="en-US" sz="1400" u="sng" dirty="0"/>
+              <a:t>GRU</a:t>
+            </a:r>
+            <a:r>
+              <a:rPr lang="en-US" sz="1400" dirty="0"/>
+              <a:t> is best for this job</a:t>
+            </a:r>
+          </a:p>
+        </p:txBody>
+      </p:sp>
+    </p:spTree>
+    <p:extLst>
+      <p:ext uri="{BB962C8B-B14F-4D97-AF65-F5344CB8AC3E}">
+        <p14:creationId xmlns:p14="http://schemas.microsoft.com/office/powerpoint/2010/main" val="2648202317"/>
       </p:ext>
     </p:extLst>
   </p:cSld>
